--- a/Presentation/Pre1/pre1_2.pptx
+++ b/Presentation/Pre1/pre1_2.pptx
@@ -11,15 +11,15 @@
     <p:sldId id="256" r:id="rId2"/>
     <p:sldId id="259" r:id="rId3"/>
     <p:sldId id="260" r:id="rId4"/>
-    <p:sldId id="271" r:id="rId5"/>
-    <p:sldId id="261" r:id="rId6"/>
-    <p:sldId id="274" r:id="rId7"/>
+    <p:sldId id="275" r:id="rId5"/>
+    <p:sldId id="271" r:id="rId6"/>
+    <p:sldId id="261" r:id="rId7"/>
     <p:sldId id="263" r:id="rId8"/>
     <p:sldId id="264" r:id="rId9"/>
     <p:sldId id="265" r:id="rId10"/>
     <p:sldId id="266" r:id="rId11"/>
     <p:sldId id="267" r:id="rId12"/>
-    <p:sldId id="273" r:id="rId13"/>
+    <p:sldId id="276" r:id="rId13"/>
     <p:sldId id="268" r:id="rId14"/>
     <p:sldId id="272" r:id="rId15"/>
     <p:sldId id="269" r:id="rId16"/>
@@ -682,7 +682,7 @@
       </p:grpSpPr>
       <p:sp>
         <p:nvSpPr>
-          <p:cNvPr id="2" name="幻灯片图像占位符 1"/>
+          <p:cNvPr id="2" name="Slide Image Placeholder 1"/>
           <p:cNvSpPr>
             <a:spLocks noGrp="1" noRot="1" noChangeAspect="1"/>
           </p:cNvSpPr>
@@ -690,25 +690,11 @@
             <p:ph type="sldImg"/>
           </p:nvPr>
         </p:nvSpPr>
-        <p:spPr>
-          <a:xfrm>
-            <a:off x="-171450" y="1143000"/>
-            <a:ext cx="5486400" cy="3086100"/>
-          </a:xfrm>
-          <a:prstGeom prst="rect">
-            <a:avLst/>
-          </a:prstGeom>
-          <a:noFill/>
-          <a:ln w="12700">
-            <a:solidFill>
-              <a:prstClr val="black"/>
-            </a:solidFill>
-          </a:ln>
-        </p:spPr>
-      </p:sp>
-      <p:sp>
-        <p:nvSpPr>
-          <p:cNvPr id="3" name="备注占位符 2"/>
+        <p:spPr/>
+      </p:sp>
+      <p:sp>
+        <p:nvSpPr>
+          <p:cNvPr id="3" name="Notes Placeholder 2"/>
           <p:cNvSpPr>
             <a:spLocks noGrp="1"/>
           </p:cNvSpPr>
@@ -716,42 +702,64 @@
             <p:ph type="body" idx="1"/>
           </p:nvPr>
         </p:nvSpPr>
-        <p:spPr>
-          <a:xfrm>
-            <a:off x="514350" y="4400550"/>
-            <a:ext cx="4114800" cy="3600450"/>
-          </a:xfrm>
-          <a:prstGeom prst="rect">
-            <a:avLst/>
-          </a:prstGeom>
-        </p:spPr>
+        <p:spPr/>
         <p:txBody>
           <a:bodyPr/>
           <a:lstStyle/>
           <a:p>
             <a:r>
-              <a:rPr kumimoji="1" lang="zh-CN" altLang="en-US" dirty="0"/>
-              <a:t>知识蒸馏，讲一下已有论文</a:t>
-            </a:r>
-            <a:r>
-              <a:rPr kumimoji="1" lang="en-US" altLang="zh-CN" dirty="0"/>
-              <a:t>/</a:t>
-            </a:r>
-            <a:r>
-              <a:rPr kumimoji="1" lang="zh-CN" altLang="en-US" dirty="0"/>
-              <a:t>方案</a:t>
-            </a:r>
-            <a:endParaRPr kumimoji="1" lang="en-US" altLang="zh-CN" dirty="0"/>
-          </a:p>
-          <a:p>
-            <a:endParaRPr kumimoji="1" lang="zh-CN" altLang="en-US" dirty="0"/>
+              <a:rPr lang="en-US" dirty="0" err="1"/>
+              <a:t>知识蒸馏</a:t>
+            </a:r>
+            <a:endParaRPr lang="en-US" dirty="0"/>
+          </a:p>
+          <a:p>
+            <a:r>
+              <a:rPr lang="en-US" dirty="0" err="1"/>
+              <a:t>两个Decoder分别生成图像和特征</a:t>
+            </a:r>
+            <a:r>
+              <a:rPr lang="zh-CN" altLang="en-US" dirty="0"/>
+              <a:t>（眼底血管）</a:t>
+            </a:r>
+            <a:endParaRPr lang="en-US" altLang="zh-CN" dirty="0"/>
+          </a:p>
+          <a:p>
+            <a:r>
+              <a:rPr lang="zh-CN" altLang="en-US" dirty="0"/>
+              <a:t>通过图像质量评估，选出质量较好的图像作为伪标签</a:t>
+            </a:r>
+            <a:endParaRPr lang="en-US" dirty="0"/>
+          </a:p>
+        </p:txBody>
+      </p:sp>
+      <p:sp>
+        <p:nvSpPr>
+          <p:cNvPr id="4" name="Slide Number Placeholder 3"/>
+          <p:cNvSpPr>
+            <a:spLocks noGrp="1"/>
+          </p:cNvSpPr>
+          <p:nvPr>
+            <p:ph type="sldNum" sz="quarter" idx="10"/>
+          </p:nvPr>
+        </p:nvSpPr>
+        <p:spPr/>
+        <p:txBody>
+          <a:bodyPr/>
+          <a:lstStyle/>
+          <a:p>
+            <a:fld id="{F7021451-1387-4CA6-816F-3879F97B5CBC}" type="slidenum">
+              <a:rPr lang="en-US"/>
+              <a:t>12</a:t>
+            </a:fld>
+            <a:endParaRPr lang="en-US"/>
           </a:p>
         </p:txBody>
       </p:sp>
     </p:spTree>
     <p:extLst>
       <p:ext uri="{BB962C8B-B14F-4D97-AF65-F5344CB8AC3E}">
-        <p14:creationId xmlns:p14="http://schemas.microsoft.com/office/powerpoint/2010/main" val="2116659223"/>
+        <p14:creationId xmlns:p14="http://schemas.microsoft.com/office/powerpoint/2010/main" val="733195303"/>
       </p:ext>
     </p:extLst>
   </p:cSld>
@@ -1309,6 +1317,109 @@
           <a:bodyPr/>
           <a:lstStyle/>
           <a:p>
+            <a:pPr marL="0" marR="0" lvl="0" indent="0" algn="l" defTabSz="914400" rtl="0" eaLnBrk="1" fontAlgn="auto" latinLnBrk="0" hangingPunct="1">
+              <a:lnSpc>
+                <a:spcPct val="100000"/>
+              </a:lnSpc>
+              <a:spcBef>
+                <a:spcPts val="0"/>
+              </a:spcBef>
+              <a:spcAft>
+                <a:spcPts val="0"/>
+              </a:spcAft>
+              <a:buClrTx/>
+              <a:buSzTx/>
+              <a:buFontTx/>
+              <a:buNone/>
+              <a:tabLst/>
+              <a:defRPr/>
+            </a:pPr>
+            <a:r>
+              <a:rPr lang="zh-CN" altLang="en-US" sz="1200" dirty="0">
+                <a:solidFill>
+                  <a:srgbClr val="06383C"/>
+                </a:solidFill>
+                <a:latin typeface="PingFang SC" panose="020B0400000000000000" pitchFamily="34" charset="-122"/>
+                <a:ea typeface="PingFang SC" panose="020B0400000000000000" pitchFamily="34" charset="-122"/>
+              </a:rPr>
+              <a:t>上学期开发了</a:t>
+            </a:r>
+            <a:r>
+              <a:rPr lang="en-US" altLang="zh-CN" sz="1200" dirty="0" err="1">
+                <a:solidFill>
+                  <a:srgbClr val="06383C"/>
+                </a:solidFill>
+                <a:latin typeface="PingFang SC" panose="020B0400000000000000" pitchFamily="34" charset="-122"/>
+                <a:ea typeface="PingFang SC" panose="020B0400000000000000" pitchFamily="34" charset="-122"/>
+              </a:rPr>
+              <a:t>无标签的白内障眼底图像的图像增强算法</a:t>
+            </a:r>
+            <a:endParaRPr lang="en-US" altLang="zh-CN" sz="1200" dirty="0">
+              <a:solidFill>
+                <a:srgbClr val="06383C"/>
+              </a:solidFill>
+              <a:effectLst/>
+              <a:latin typeface="PingFang SC" panose="020B0400000000000000" pitchFamily="34" charset="-122"/>
+              <a:ea typeface="PingFang SC" panose="020B0400000000000000" pitchFamily="34" charset="-122"/>
+            </a:endParaRPr>
+          </a:p>
+          <a:p>
+            <a:pPr marL="0" marR="0" lvl="0" indent="0" algn="l" defTabSz="914400" rtl="0" eaLnBrk="1" fontAlgn="auto" latinLnBrk="0" hangingPunct="1">
+              <a:lnSpc>
+                <a:spcPct val="100000"/>
+              </a:lnSpc>
+              <a:spcBef>
+                <a:spcPts val="0"/>
+              </a:spcBef>
+              <a:spcAft>
+                <a:spcPts val="0"/>
+              </a:spcAft>
+              <a:buClrTx/>
+              <a:buSzTx/>
+              <a:buFontTx/>
+              <a:buNone/>
+              <a:tabLst/>
+              <a:defRPr/>
+            </a:pPr>
+            <a:endParaRPr lang="en-US" altLang="zh-CN" sz="1200" dirty="0">
+              <a:solidFill>
+                <a:srgbClr val="06383C"/>
+              </a:solidFill>
+              <a:effectLst/>
+              <a:latin typeface="PingFang SC" panose="020B0400000000000000" pitchFamily="34" charset="-122"/>
+              <a:ea typeface="PingFang SC" panose="020B0400000000000000" pitchFamily="34" charset="-122"/>
+            </a:endParaRPr>
+          </a:p>
+          <a:p>
+            <a:pPr marL="0" marR="0" lvl="0" indent="0" algn="l" defTabSz="914400" rtl="0" eaLnBrk="1" fontAlgn="auto" latinLnBrk="0" hangingPunct="1">
+              <a:lnSpc>
+                <a:spcPct val="100000"/>
+              </a:lnSpc>
+              <a:spcBef>
+                <a:spcPts val="0"/>
+              </a:spcBef>
+              <a:spcAft>
+                <a:spcPts val="0"/>
+              </a:spcAft>
+              <a:buClrTx/>
+              <a:buSzTx/>
+              <a:buFontTx/>
+              <a:buNone/>
+              <a:tabLst/>
+              <a:defRPr/>
+            </a:pPr>
+            <a:r>
+              <a:rPr lang="zh-CN" altLang="en-US" sz="1800" dirty="0">
+                <a:effectLst/>
+                <a:latin typeface="NotoSerifCJKjp-Regular-Identity-H"/>
+              </a:rPr>
+              <a:t>利用领域自适应技术减少域差异带来的模型性能下降，利用对抗训练以提升增强后图像的真实性。 </a:t>
+            </a:r>
+            <a:endParaRPr lang="zh-CN" altLang="en-US" dirty="0">
+              <a:effectLst/>
+            </a:endParaRPr>
+          </a:p>
+          <a:p>
             <a:endParaRPr lang="en-US" dirty="0"/>
           </a:p>
         </p:txBody>
@@ -1339,7 +1450,7 @@
     </p:spTree>
     <p:extLst>
       <p:ext uri="{BB962C8B-B14F-4D97-AF65-F5344CB8AC3E}">
-        <p14:creationId xmlns:p14="http://schemas.microsoft.com/office/powerpoint/2010/main" val="946490055"/>
+        <p14:creationId xmlns:p14="http://schemas.microsoft.com/office/powerpoint/2010/main" val="3585010213"/>
       </p:ext>
     </p:extLst>
   </p:cSld>
@@ -1393,137 +1504,6 @@
           <a:bodyPr/>
           <a:lstStyle/>
           <a:p>
-            <a:pPr marL="0" marR="0" lvl="0" indent="0" algn="l" defTabSz="914400" rtl="0" eaLnBrk="1" fontAlgn="auto" latinLnBrk="0" hangingPunct="1">
-              <a:lnSpc>
-                <a:spcPct val="100000"/>
-              </a:lnSpc>
-              <a:spcBef>
-                <a:spcPts val="0"/>
-              </a:spcBef>
-              <a:spcAft>
-                <a:spcPts val="0"/>
-              </a:spcAft>
-              <a:buClrTx/>
-              <a:buSzTx/>
-              <a:buFontTx/>
-              <a:buNone/>
-              <a:tabLst/>
-              <a:defRPr/>
-            </a:pPr>
-            <a:r>
-              <a:rPr lang="en-US" altLang="zh-CN" sz="1200" b="0" dirty="0">
-                <a:solidFill>
-                  <a:srgbClr val="383838"/>
-                </a:solidFill>
-                <a:latin typeface="Noto Sans SC" pitchFamily="34" charset="0"/>
-                <a:ea typeface="Noto Sans SC" pitchFamily="34" charset="-122"/>
-                <a:cs typeface="Noto Sans SC" pitchFamily="34" charset="-120"/>
-              </a:rPr>
-              <a:t>隐私保护：源域数据集往往包含敏感的个人信息，如病历、诊断等，如果直接公开或共享给其他机构或个人可能会造成隐私泄露。</a:t>
-            </a:r>
-          </a:p>
-          <a:p>
-            <a:pPr marL="0" marR="0" lvl="0" indent="0" algn="l" defTabSz="914400" rtl="0" eaLnBrk="1" fontAlgn="auto" latinLnBrk="0" hangingPunct="1">
-              <a:lnSpc>
-                <a:spcPct val="100000"/>
-              </a:lnSpc>
-              <a:spcBef>
-                <a:spcPts val="0"/>
-              </a:spcBef>
-              <a:spcAft>
-                <a:spcPts val="0"/>
-              </a:spcAft>
-              <a:buClrTx/>
-              <a:buSzTx/>
-              <a:buFontTx/>
-              <a:buNone/>
-              <a:tabLst/>
-              <a:defRPr/>
-            </a:pPr>
-            <a:endParaRPr lang="en-US" altLang="zh-CN" sz="1200" dirty="0"/>
-          </a:p>
-          <a:p>
-            <a:pPr marL="0" marR="0" lvl="0" indent="0" algn="l" defTabSz="914400" rtl="0" eaLnBrk="1" fontAlgn="auto" latinLnBrk="0" hangingPunct="1">
-              <a:lnSpc>
-                <a:spcPct val="100000"/>
-              </a:lnSpc>
-              <a:spcBef>
-                <a:spcPts val="0"/>
-              </a:spcBef>
-              <a:spcAft>
-                <a:spcPts val="0"/>
-              </a:spcAft>
-              <a:buClrTx/>
-              <a:buSzTx/>
-              <a:buFontTx/>
-              <a:buNone/>
-              <a:tabLst/>
-              <a:defRPr/>
-            </a:pPr>
-            <a:r>
-              <a:rPr lang="en-US" altLang="zh-CN" sz="1200" b="0" dirty="0">
-                <a:solidFill>
-                  <a:srgbClr val="383838"/>
-                </a:solidFill>
-                <a:latin typeface="Noto Sans SC" pitchFamily="34" charset="0"/>
-                <a:ea typeface="Noto Sans SC" pitchFamily="34" charset="-122"/>
-                <a:cs typeface="Noto Sans SC" pitchFamily="34" charset="-120"/>
-              </a:rPr>
-              <a:t>数据储存：源域数据集往往占用大量的存储空间，如果需要在不同的设备或平台上进行迁移学习，可能会带来数据传输和存储的困难。</a:t>
-            </a:r>
-          </a:p>
-          <a:p>
-            <a:pPr marL="0" marR="0" lvl="0" indent="0" algn="l" defTabSz="914400" rtl="0" eaLnBrk="1" fontAlgn="auto" latinLnBrk="0" hangingPunct="1">
-              <a:lnSpc>
-                <a:spcPct val="100000"/>
-              </a:lnSpc>
-              <a:spcBef>
-                <a:spcPts val="0"/>
-              </a:spcBef>
-              <a:spcAft>
-                <a:spcPts val="0"/>
-              </a:spcAft>
-              <a:buClrTx/>
-              <a:buSzTx/>
-              <a:buFontTx/>
-              <a:buNone/>
-              <a:tabLst/>
-              <a:defRPr/>
-            </a:pPr>
-            <a:endParaRPr lang="en-US" altLang="zh-CN" sz="1200" dirty="0"/>
-          </a:p>
-          <a:p>
-            <a:pPr marL="0" marR="0" lvl="0" indent="0" algn="l" defTabSz="914400" rtl="0" eaLnBrk="1" fontAlgn="auto" latinLnBrk="0" hangingPunct="1">
-              <a:lnSpc>
-                <a:spcPct val="100000"/>
-              </a:lnSpc>
-              <a:spcBef>
-                <a:spcPts val="0"/>
-              </a:spcBef>
-              <a:spcAft>
-                <a:spcPts val="0"/>
-              </a:spcAft>
-              <a:buClrTx/>
-              <a:buSzTx/>
-              <a:buFontTx/>
-              <a:buNone/>
-              <a:tabLst/>
-              <a:defRPr/>
-            </a:pPr>
-            <a:r>
-              <a:rPr lang="en-US" altLang="zh-CN" sz="1200" b="0" dirty="0">
-                <a:solidFill>
-                  <a:srgbClr val="383838"/>
-                </a:solidFill>
-                <a:latin typeface="Noto Sans SC" pitchFamily="34" charset="0"/>
-                <a:ea typeface="Noto Sans SC" pitchFamily="34" charset="-122"/>
-                <a:cs typeface="Noto Sans SC" pitchFamily="34" charset="-120"/>
-              </a:rPr>
-              <a:t>运算负担：源域数据集往往需要不断地更新和维护，如果需要在每次迁移学习时都重新训练源模型，可能会增加计算资源和时间的消耗。</a:t>
-            </a:r>
-            <a:endParaRPr lang="en-US" altLang="zh-CN" sz="1200" dirty="0"/>
-          </a:p>
-          <a:p>
             <a:endParaRPr lang="en-US" dirty="0"/>
           </a:p>
         </p:txBody>
@@ -1554,7 +1534,7 @@
     </p:spTree>
     <p:extLst>
       <p:ext uri="{BB962C8B-B14F-4D97-AF65-F5344CB8AC3E}">
-        <p14:creationId xmlns:p14="http://schemas.microsoft.com/office/powerpoint/2010/main" val="1024086991"/>
+        <p14:creationId xmlns:p14="http://schemas.microsoft.com/office/powerpoint/2010/main" val="946490055"/>
       </p:ext>
     </p:extLst>
   </p:cSld>
@@ -1583,7 +1563,7 @@
       </p:grpSpPr>
       <p:sp>
         <p:nvSpPr>
-          <p:cNvPr id="2" name="幻灯片图像占位符 1"/>
+          <p:cNvPr id="2" name="Slide Image Placeholder 1"/>
           <p:cNvSpPr>
             <a:spLocks noGrp="1" noRot="1" noChangeAspect="1"/>
           </p:cNvSpPr>
@@ -1591,25 +1571,11 @@
             <p:ph type="sldImg"/>
           </p:nvPr>
         </p:nvSpPr>
-        <p:spPr>
-          <a:xfrm>
-            <a:off x="-171450" y="1143000"/>
-            <a:ext cx="5486400" cy="3086100"/>
-          </a:xfrm>
-          <a:prstGeom prst="rect">
-            <a:avLst/>
-          </a:prstGeom>
-          <a:noFill/>
-          <a:ln w="12700">
-            <a:solidFill>
-              <a:prstClr val="black"/>
-            </a:solidFill>
-          </a:ln>
-        </p:spPr>
-      </p:sp>
-      <p:sp>
-        <p:nvSpPr>
-          <p:cNvPr id="3" name="备注占位符 2"/>
+        <p:spPr/>
+      </p:sp>
+      <p:sp>
+        <p:nvSpPr>
+          <p:cNvPr id="3" name="Notes Placeholder 2"/>
           <p:cNvSpPr>
             <a:spLocks noGrp="1"/>
           </p:cNvSpPr>
@@ -1617,37 +1583,173 @@
             <p:ph type="body" idx="1"/>
           </p:nvPr>
         </p:nvSpPr>
-        <p:spPr>
-          <a:xfrm>
-            <a:off x="514350" y="4400550"/>
-            <a:ext cx="4114800" cy="3600450"/>
-          </a:xfrm>
-          <a:prstGeom prst="rect">
-            <a:avLst/>
-          </a:prstGeom>
-        </p:spPr>
+        <p:spPr/>
         <p:txBody>
           <a:bodyPr/>
           <a:lstStyle/>
           <a:p>
-            <a:r>
-              <a:rPr lang="en-US" altLang="zh-CN" dirty="0" err="1"/>
-              <a:t>上学期工作UDA</a:t>
-            </a:r>
-            <a:endParaRPr lang="en-US" altLang="zh-CN" dirty="0"/>
-          </a:p>
-          <a:p>
-            <a:endParaRPr lang="en-US" altLang="zh-CN" dirty="0"/>
-          </a:p>
-          <a:p>
-            <a:endParaRPr kumimoji="1" lang="zh-CN" altLang="en-US" dirty="0"/>
+            <a:pPr marL="0" marR="0" lvl="0" indent="0" algn="l" defTabSz="914400" rtl="0" eaLnBrk="1" fontAlgn="auto" latinLnBrk="0" hangingPunct="1">
+              <a:lnSpc>
+                <a:spcPct val="100000"/>
+              </a:lnSpc>
+              <a:spcBef>
+                <a:spcPts val="0"/>
+              </a:spcBef>
+              <a:spcAft>
+                <a:spcPts val="0"/>
+              </a:spcAft>
+              <a:buClrTx/>
+              <a:buSzTx/>
+              <a:buFontTx/>
+              <a:buNone/>
+              <a:tabLst/>
+              <a:defRPr/>
+            </a:pPr>
+            <a:r>
+              <a:rPr lang="en-US" altLang="zh-CN" sz="1200" b="0" dirty="0">
+                <a:solidFill>
+                  <a:srgbClr val="383838"/>
+                </a:solidFill>
+                <a:latin typeface="Noto Sans SC" pitchFamily="34" charset="0"/>
+                <a:ea typeface="Noto Sans SC" pitchFamily="34" charset="-122"/>
+                <a:cs typeface="Noto Sans SC" pitchFamily="34" charset="-120"/>
+              </a:rPr>
+              <a:t>隐私保护：源域数据集往往包含敏感的个人信息，如病历、诊断等，如果直接公开或共享给其他机构或个人可能会造成隐私泄露。</a:t>
+            </a:r>
+          </a:p>
+          <a:p>
+            <a:pPr marL="0" marR="0" lvl="0" indent="0" algn="l" defTabSz="914400" rtl="0" eaLnBrk="1" fontAlgn="auto" latinLnBrk="0" hangingPunct="1">
+              <a:lnSpc>
+                <a:spcPct val="100000"/>
+              </a:lnSpc>
+              <a:spcBef>
+                <a:spcPts val="0"/>
+              </a:spcBef>
+              <a:spcAft>
+                <a:spcPts val="0"/>
+              </a:spcAft>
+              <a:buClrTx/>
+              <a:buSzTx/>
+              <a:buFontTx/>
+              <a:buNone/>
+              <a:tabLst/>
+              <a:defRPr/>
+            </a:pPr>
+            <a:endParaRPr lang="en-US" altLang="zh-CN" sz="1200" dirty="0"/>
+          </a:p>
+          <a:p>
+            <a:pPr marL="0" marR="0" lvl="0" indent="0" algn="l" defTabSz="914400" rtl="0" eaLnBrk="1" fontAlgn="auto" latinLnBrk="0" hangingPunct="1">
+              <a:lnSpc>
+                <a:spcPct val="100000"/>
+              </a:lnSpc>
+              <a:spcBef>
+                <a:spcPts val="0"/>
+              </a:spcBef>
+              <a:spcAft>
+                <a:spcPts val="0"/>
+              </a:spcAft>
+              <a:buClrTx/>
+              <a:buSzTx/>
+              <a:buFontTx/>
+              <a:buNone/>
+              <a:tabLst/>
+              <a:defRPr/>
+            </a:pPr>
+            <a:r>
+              <a:rPr lang="en-US" altLang="zh-CN" sz="1200" b="0" dirty="0">
+                <a:solidFill>
+                  <a:srgbClr val="383838"/>
+                </a:solidFill>
+                <a:latin typeface="Noto Sans SC" pitchFamily="34" charset="0"/>
+                <a:ea typeface="Noto Sans SC" pitchFamily="34" charset="-122"/>
+                <a:cs typeface="Noto Sans SC" pitchFamily="34" charset="-120"/>
+              </a:rPr>
+              <a:t>数据储存：源域数据集往往占用大量的存储空间，如果需要在不同的设备或平台上进行迁移学习，可能会带来数据传输和存储的困难。</a:t>
+            </a:r>
+          </a:p>
+          <a:p>
+            <a:pPr marL="0" marR="0" lvl="0" indent="0" algn="l" defTabSz="914400" rtl="0" eaLnBrk="1" fontAlgn="auto" latinLnBrk="0" hangingPunct="1">
+              <a:lnSpc>
+                <a:spcPct val="100000"/>
+              </a:lnSpc>
+              <a:spcBef>
+                <a:spcPts val="0"/>
+              </a:spcBef>
+              <a:spcAft>
+                <a:spcPts val="0"/>
+              </a:spcAft>
+              <a:buClrTx/>
+              <a:buSzTx/>
+              <a:buFontTx/>
+              <a:buNone/>
+              <a:tabLst/>
+              <a:defRPr/>
+            </a:pPr>
+            <a:endParaRPr lang="en-US" altLang="zh-CN" sz="1200" dirty="0"/>
+          </a:p>
+          <a:p>
+            <a:pPr marL="0" marR="0" lvl="0" indent="0" algn="l" defTabSz="914400" rtl="0" eaLnBrk="1" fontAlgn="auto" latinLnBrk="0" hangingPunct="1">
+              <a:lnSpc>
+                <a:spcPct val="100000"/>
+              </a:lnSpc>
+              <a:spcBef>
+                <a:spcPts val="0"/>
+              </a:spcBef>
+              <a:spcAft>
+                <a:spcPts val="0"/>
+              </a:spcAft>
+              <a:buClrTx/>
+              <a:buSzTx/>
+              <a:buFontTx/>
+              <a:buNone/>
+              <a:tabLst/>
+              <a:defRPr/>
+            </a:pPr>
+            <a:r>
+              <a:rPr lang="en-US" altLang="zh-CN" sz="1200" b="0" dirty="0">
+                <a:solidFill>
+                  <a:srgbClr val="383838"/>
+                </a:solidFill>
+                <a:latin typeface="Noto Sans SC" pitchFamily="34" charset="0"/>
+                <a:ea typeface="Noto Sans SC" pitchFamily="34" charset="-122"/>
+                <a:cs typeface="Noto Sans SC" pitchFamily="34" charset="-120"/>
+              </a:rPr>
+              <a:t>运算负担：源域数据集往往需要不断地更新和维护，如果需要在每次迁移学习时都重新训练源模型，可能会增加计算资源和时间的消耗。</a:t>
+            </a:r>
+            <a:endParaRPr lang="en-US" altLang="zh-CN" sz="1200" dirty="0"/>
+          </a:p>
+          <a:p>
+            <a:endParaRPr lang="en-US" dirty="0"/>
+          </a:p>
+        </p:txBody>
+      </p:sp>
+      <p:sp>
+        <p:nvSpPr>
+          <p:cNvPr id="4" name="Slide Number Placeholder 3"/>
+          <p:cNvSpPr>
+            <a:spLocks noGrp="1"/>
+          </p:cNvSpPr>
+          <p:nvPr>
+            <p:ph type="sldNum" sz="quarter" idx="10"/>
+          </p:nvPr>
+        </p:nvSpPr>
+        <p:spPr/>
+        <p:txBody>
+          <a:bodyPr/>
+          <a:lstStyle/>
+          <a:p>
+            <a:fld id="{F7021451-1387-4CA6-816F-3879F97B5CBC}" type="slidenum">
+              <a:rPr lang="en-US"/>
+              <a:t>6</a:t>
+            </a:fld>
+            <a:endParaRPr lang="en-US"/>
           </a:p>
         </p:txBody>
       </p:sp>
     </p:spTree>
     <p:extLst>
       <p:ext uri="{BB962C8B-B14F-4D97-AF65-F5344CB8AC3E}">
-        <p14:creationId xmlns:p14="http://schemas.microsoft.com/office/powerpoint/2010/main" val="3660256230"/>
+        <p14:creationId xmlns:p14="http://schemas.microsoft.com/office/powerpoint/2010/main" val="1024086991"/>
       </p:ext>
     </p:extLst>
   </p:cSld>
@@ -2997,10 +3099,101 @@
           <a:chExt cx="0" cy="0"/>
         </a:xfrm>
       </p:grpSpPr>
+      <p:sp>
+        <p:nvSpPr>
+          <p:cNvPr id="2" name="Shape 0"/>
+          <p:cNvSpPr/>
+          <p:nvPr/>
+        </p:nvSpPr>
+        <p:spPr>
+          <a:xfrm>
+            <a:off x="762000" y="845790"/>
+            <a:ext cx="7806690" cy="2679"/>
+          </a:xfrm>
+          <a:prstGeom prst="rect">
+            <a:avLst/>
+          </a:prstGeom>
+          <a:solidFill>
+            <a:srgbClr val="646464"/>
+          </a:solidFill>
+          <a:ln/>
+        </p:spPr>
+      </p:sp>
+      <p:sp>
+        <p:nvSpPr>
+          <p:cNvPr id="3" name="Text 1"/>
+          <p:cNvSpPr/>
+          <p:nvPr/>
+        </p:nvSpPr>
+        <p:spPr>
+          <a:xfrm>
+            <a:off x="762000" y="228600"/>
+            <a:ext cx="7806690" cy="552450"/>
+          </a:xfrm>
+          <a:prstGeom prst="rect">
+            <a:avLst/>
+          </a:prstGeom>
+          <a:noFill/>
+          <a:ln/>
+        </p:spPr>
+        <p:txBody>
+          <a:bodyPr wrap="square" rtlCol="0" anchor="ctr"/>
+          <a:lstStyle/>
+          <a:p>
+            <a:r>
+              <a:rPr lang="en-US" sz="2100" b="1" dirty="0" err="1">
+                <a:solidFill>
+                  <a:srgbClr val="383838"/>
+                </a:solidFill>
+                <a:latin typeface="Noto Sans SC" pitchFamily="34" charset="0"/>
+                <a:ea typeface="Noto Sans SC" pitchFamily="34" charset="-122"/>
+              </a:rPr>
+              <a:t>模型结构</a:t>
+            </a:r>
+            <a:endParaRPr lang="en-US" sz="2100" b="1" dirty="0">
+              <a:solidFill>
+                <a:srgbClr val="383838"/>
+              </a:solidFill>
+              <a:latin typeface="Noto Sans SC" pitchFamily="34" charset="0"/>
+              <a:ea typeface="Noto Sans SC" pitchFamily="34" charset="-122"/>
+            </a:endParaRPr>
+          </a:p>
+        </p:txBody>
+      </p:sp>
+      <p:pic>
+        <p:nvPicPr>
+          <p:cNvPr id="5" name="图片 4" descr="图示&#10;&#10;描述已自动生成">
+            <a:extLst>
+              <a:ext uri="{FF2B5EF4-FFF2-40B4-BE49-F238E27FC236}">
+                <a16:creationId xmlns:a16="http://schemas.microsoft.com/office/drawing/2014/main" id="{006BD36A-0A5E-2D07-8FDB-A6F92EFCE892}"/>
+              </a:ext>
+            </a:extLst>
+          </p:cNvPr>
+          <p:cNvPicPr>
+            <a:picLocks noChangeAspect="1"/>
+          </p:cNvPicPr>
+          <p:nvPr/>
+        </p:nvPicPr>
+        <p:blipFill>
+          <a:blip r:embed="rId3"/>
+          <a:stretch>
+            <a:fillRect/>
+          </a:stretch>
+        </p:blipFill>
+        <p:spPr>
+          <a:xfrm>
+            <a:off x="961407" y="1082970"/>
+            <a:ext cx="7407876" cy="3696268"/>
+          </a:xfrm>
+          <a:prstGeom prst="rect">
+            <a:avLst/>
+          </a:prstGeom>
+        </p:spPr>
+      </p:pic>
     </p:spTree>
     <p:extLst>
       <p:ext uri="{BB962C8B-B14F-4D97-AF65-F5344CB8AC3E}">
-        <p14:creationId xmlns:p14="http://schemas.microsoft.com/office/powerpoint/2010/main" val="4083203862"/>
+        <p14:creationId xmlns:p14="http://schemas.microsoft.com/office/powerpoint/2010/main" val="745114216"/>
       </p:ext>
     </p:extLst>
   </p:cSld>
@@ -4116,6 +4309,129 @@
           <a:lstStyle/>
           <a:p>
             <a:r>
+              <a:rPr lang="en-US" sz="2100" b="1" dirty="0" err="1">
+                <a:solidFill>
+                  <a:srgbClr val="383838"/>
+                </a:solidFill>
+                <a:latin typeface="Noto Sans SC" pitchFamily="34" charset="0"/>
+                <a:ea typeface="Noto Sans SC" pitchFamily="34" charset="-122"/>
+              </a:rPr>
+              <a:t>现有成果</a:t>
+            </a:r>
+            <a:endParaRPr lang="en-US" sz="2080" dirty="0"/>
+          </a:p>
+        </p:txBody>
+      </p:sp>
+      <p:pic>
+        <p:nvPicPr>
+          <p:cNvPr id="5" name="图片 12">
+            <a:extLst>
+              <a:ext uri="{FF2B5EF4-FFF2-40B4-BE49-F238E27FC236}">
+                <a16:creationId xmlns:a16="http://schemas.microsoft.com/office/drawing/2014/main" id="{5BAB9113-36AA-8F4E-2FD2-56C35D499CC7}"/>
+              </a:ext>
+            </a:extLst>
+          </p:cNvPr>
+          <p:cNvPicPr>
+            <a:picLocks noChangeAspect="1" noChangeArrowheads="1"/>
+          </p:cNvPicPr>
+          <p:nvPr/>
+        </p:nvPicPr>
+        <p:blipFill>
+          <a:blip r:embed="rId3" cstate="print">
+            <a:extLst>
+              <a:ext uri="{28A0092B-C50C-407E-A947-70E740481C1C}">
+                <a14:useLocalDpi xmlns:a14="http://schemas.microsoft.com/office/drawing/2010/main" val="0"/>
+              </a:ext>
+            </a:extLst>
+          </a:blip>
+          <a:srcRect/>
+          <a:stretch>
+            <a:fillRect/>
+          </a:stretch>
+        </p:blipFill>
+        <p:spPr>
+          <a:xfrm>
+            <a:off x="2015496" y="1141003"/>
+            <a:ext cx="5113008" cy="3592317"/>
+          </a:xfrm>
+          <a:prstGeom prst="rect">
+            <a:avLst/>
+          </a:prstGeom>
+          <a:noFill/>
+        </p:spPr>
+      </p:pic>
+    </p:spTree>
+    <p:extLst>
+      <p:ext uri="{BB962C8B-B14F-4D97-AF65-F5344CB8AC3E}">
+        <p14:creationId xmlns:p14="http://schemas.microsoft.com/office/powerpoint/2010/main" val="3138734990"/>
+      </p:ext>
+    </p:extLst>
+  </p:cSld>
+  <p:clrMapOvr>
+    <a:masterClrMapping/>
+  </p:clrMapOvr>
+</p:sld>
+</file>
+
+<file path=ppt/slides/slide5.xml><?xml version="1.0" encoding="utf-8"?>
+<p:sld xmlns:a="http://schemas.openxmlformats.org/drawingml/2006/main" xmlns:r="http://schemas.openxmlformats.org/officeDocument/2006/relationships" xmlns:p="http://schemas.openxmlformats.org/presentationml/2006/main">
+  <p:cSld>
+    <p:spTree>
+      <p:nvGrpSpPr>
+        <p:cNvPr id="1" name=""/>
+        <p:cNvGrpSpPr/>
+        <p:nvPr/>
+      </p:nvGrpSpPr>
+      <p:grpSpPr>
+        <a:xfrm>
+          <a:off x="0" y="0"/>
+          <a:ext cx="0" cy="0"/>
+          <a:chOff x="0" y="0"/>
+          <a:chExt cx="0" cy="0"/>
+        </a:xfrm>
+      </p:grpSpPr>
+      <p:sp>
+        <p:nvSpPr>
+          <p:cNvPr id="2" name="Shape 0"/>
+          <p:cNvSpPr/>
+          <p:nvPr/>
+        </p:nvSpPr>
+        <p:spPr>
+          <a:xfrm>
+            <a:off x="762000" y="845790"/>
+            <a:ext cx="7806690" cy="2679"/>
+          </a:xfrm>
+          <a:prstGeom prst="rect">
+            <a:avLst/>
+          </a:prstGeom>
+          <a:solidFill>
+            <a:srgbClr val="646464"/>
+          </a:solidFill>
+          <a:ln/>
+        </p:spPr>
+      </p:sp>
+      <p:sp>
+        <p:nvSpPr>
+          <p:cNvPr id="3" name="Text 1"/>
+          <p:cNvSpPr/>
+          <p:nvPr/>
+        </p:nvSpPr>
+        <p:spPr>
+          <a:xfrm>
+            <a:off x="762000" y="228600"/>
+            <a:ext cx="7806690" cy="552450"/>
+          </a:xfrm>
+          <a:prstGeom prst="rect">
+            <a:avLst/>
+          </a:prstGeom>
+          <a:noFill/>
+          <a:ln/>
+        </p:spPr>
+        <p:txBody>
+          <a:bodyPr wrap="square" rtlCol="0" anchor="ctr"/>
+          <a:lstStyle/>
+          <a:p>
+            <a:r>
               <a:rPr lang="en-US" sz="2100" b="1" dirty="0">
                 <a:solidFill>
                   <a:srgbClr val="383838"/>
@@ -4139,7 +4455,7 @@
         <p:spPr>
           <a:xfrm>
             <a:off x="762000" y="1490929"/>
-            <a:ext cx="3663696" cy="2806781"/>
+            <a:ext cx="3810000" cy="2915075"/>
           </a:xfrm>
           <a:prstGeom prst="rect">
             <a:avLst/>
@@ -4309,7 +4625,7 @@
 </p:sld>
 </file>
 
-<file path=ppt/slides/slide5.xml><?xml version="1.0" encoding="utf-8"?>
+<file path=ppt/slides/slide6.xml><?xml version="1.0" encoding="utf-8"?>
 <p:sld xmlns:a="http://schemas.openxmlformats.org/drawingml/2006/main" xmlns:r="http://schemas.openxmlformats.org/officeDocument/2006/relationships" xmlns:p="http://schemas.openxmlformats.org/presentationml/2006/main">
   <p:cSld name="Slide 6">
     <p:spTree>
@@ -4641,36 +4957,6 @@
         </p:txBody>
       </p:sp>
     </p:spTree>
-  </p:cSld>
-  <p:clrMapOvr>
-    <a:masterClrMapping/>
-  </p:clrMapOvr>
-</p:sld>
-</file>
-
-<file path=ppt/slides/slide6.xml><?xml version="1.0" encoding="utf-8"?>
-<p:sld xmlns:a="http://schemas.openxmlformats.org/drawingml/2006/main" xmlns:r="http://schemas.openxmlformats.org/officeDocument/2006/relationships" xmlns:p="http://schemas.openxmlformats.org/presentationml/2006/main">
-  <p:cSld>
-    <p:spTree>
-      <p:nvGrpSpPr>
-        <p:cNvPr id="1" name=""/>
-        <p:cNvGrpSpPr/>
-        <p:nvPr/>
-      </p:nvGrpSpPr>
-      <p:grpSpPr>
-        <a:xfrm>
-          <a:off x="0" y="0"/>
-          <a:ext cx="0" cy="0"/>
-          <a:chOff x="0" y="0"/>
-          <a:chExt cx="0" cy="0"/>
-        </a:xfrm>
-      </p:grpSpPr>
-    </p:spTree>
-    <p:extLst>
-      <p:ext uri="{BB962C8B-B14F-4D97-AF65-F5344CB8AC3E}">
-        <p14:creationId xmlns:p14="http://schemas.microsoft.com/office/powerpoint/2010/main" val="1399128994"/>
-      </p:ext>
-    </p:extLst>
   </p:cSld>
   <p:clrMapOvr>
     <a:masterClrMapping/>
